--- a/Linkedin/SAIR-Speakr-Event-Atlas.pptx
+++ b/Linkedin/SAIR-Speakr-Event-Atlas.pptx
@@ -3797,8 +3797,8 @@
         </p:nvSpPr>
         <p:spPr>
           <a:xfrm>
-            <a:off x="8025292" y="2799458"/>
-            <a:ext cx="3900647" cy="954107"/>
+            <a:off x="8055371" y="2703478"/>
+            <a:ext cx="3900647" cy="1169551"/>
           </a:xfrm>
           <a:prstGeom prst="rect">
             <a:avLst/>
@@ -3841,6 +3841,58 @@
                 <a:cs typeface="Arial" panose="020B0604020202020204" pitchFamily="34" charset="0"/>
               </a:rPr>
               <a:t>Research Assistant Professor in the Department of Computer Science at Hong Kong Baptist University</a:t>
+            </a:r>
+          </a:p>
+          <a:p>
+            <a:pPr algn="ctr"/>
+            <a:r>
+              <a:rPr lang="en-US" altLang="zh-CN" sz="1400" dirty="0">
+                <a:latin typeface="Arial" panose="020B0604020202020204" pitchFamily="34" charset="0"/>
+                <a:cs typeface="Arial" panose="020B0604020202020204" pitchFamily="34" charset="0"/>
+              </a:rPr>
+              <a:t>New York Time:</a:t>
+            </a:r>
+            <a:r>
+              <a:rPr lang="zh-CN" altLang="en-US" sz="1400" dirty="0">
+                <a:latin typeface="Arial" panose="020B0604020202020204" pitchFamily="34" charset="0"/>
+                <a:cs typeface="Arial" panose="020B0604020202020204" pitchFamily="34" charset="0"/>
+              </a:rPr>
+              <a:t> </a:t>
+            </a:r>
+            <a:r>
+              <a:rPr lang="en-US" altLang="zh-CN" sz="1400" dirty="0">
+                <a:latin typeface="Arial" panose="020B0604020202020204" pitchFamily="34" charset="0"/>
+                <a:cs typeface="Arial" panose="020B0604020202020204" pitchFamily="34" charset="0"/>
+              </a:rPr>
+              <a:t>10pm,</a:t>
+            </a:r>
+            <a:r>
+              <a:rPr lang="zh-CN" altLang="en-US" sz="1400" dirty="0">
+                <a:latin typeface="Arial" panose="020B0604020202020204" pitchFamily="34" charset="0"/>
+                <a:cs typeface="Arial" panose="020B0604020202020204" pitchFamily="34" charset="0"/>
+              </a:rPr>
+              <a:t> </a:t>
+            </a:r>
+            <a:r>
+              <a:rPr lang="en-US" altLang="zh-CN" sz="1400" dirty="0">
+                <a:latin typeface="Arial" panose="020B0604020202020204" pitchFamily="34" charset="0"/>
+                <a:cs typeface="Arial" panose="020B0604020202020204" pitchFamily="34" charset="0"/>
+              </a:rPr>
+              <a:t>Sept, 2</a:t>
+            </a:r>
+            <a:r>
+              <a:rPr lang="en-US" altLang="zh-CN" sz="1400" baseline="30000" dirty="0">
+                <a:latin typeface="Arial" panose="020B0604020202020204" pitchFamily="34" charset="0"/>
+                <a:cs typeface="Arial" panose="020B0604020202020204" pitchFamily="34" charset="0"/>
+              </a:rPr>
+              <a:t>nd</a:t>
+            </a:r>
+            <a:r>
+              <a:rPr lang="en-US" altLang="zh-CN" sz="1400" dirty="0">
+                <a:latin typeface="Arial" panose="020B0604020202020204" pitchFamily="34" charset="0"/>
+                <a:cs typeface="Arial" panose="020B0604020202020204" pitchFamily="34" charset="0"/>
+              </a:rPr>
+              <a:t>, 2023</a:t>
             </a:r>
             <a:endParaRPr lang="en-US" sz="1400" dirty="0">
               <a:latin typeface="Arial" panose="020B0604020202020204" pitchFamily="34" charset="0"/>
